--- a/파이썬 9.pptx
+++ b/파이썬 9.pptx
@@ -11831,7 +11831,7 @@
           <a:graphicData uri="http://schemas.openxmlformats.org/presentationml/2006/ole">
             <mc:AlternateContent xmlns:mc="http://schemas.openxmlformats.org/markup-compatibility/2006">
               <mc:Choice xmlns:v="urn:schemas-microsoft-com:vml" Requires="v">
-                <p:oleObj spid="_x0000_s2050" name="Macro-Enabled Worksheet" showAsIcon="1" r:id="rId4" imgW="914487" imgH="806515" progId="Excel.SheetMacroEnabled.12">
+                <p:oleObj spid="_x0000_s2052" name="Macro-Enabled Worksheet" showAsIcon="1" r:id="rId4" imgW="914487" imgH="806515" progId="Excel.SheetMacroEnabled.12">
                   <p:embed/>
                 </p:oleObj>
               </mc:Choice>
@@ -15720,110 +15720,170 @@
           <a:lstStyle/>
           <a:p>
             <a:r>
-              <a:rPr lang="en-US" altLang="ko-KR"/>
-              <a:t>import matplotlib.pyplot as plt</a:t>
-            </a:r>
-          </a:p>
-          <a:p>
-            <a:r>
-              <a:rPr lang="en-US" altLang="ko-KR"/>
-              <a:t>import numpy as np</a:t>
-            </a:r>
-          </a:p>
-          <a:p>
-            <a:endParaRPr lang="en-US" altLang="ko-KR"/>
-          </a:p>
-          <a:p>
-            <a:r>
-              <a:rPr lang="en-US" altLang="ko-KR"/>
+              <a:rPr lang="en-US" altLang="ko-KR" dirty="0"/>
+              <a:t>import </a:t>
+            </a:r>
+            <a:r>
+              <a:rPr lang="en-US" altLang="ko-KR" dirty="0" err="1"/>
+              <a:t>matplotlib.pyplot</a:t>
+            </a:r>
+            <a:r>
+              <a:rPr lang="en-US" altLang="ko-KR" dirty="0"/>
+              <a:t> as </a:t>
+            </a:r>
+            <a:r>
+              <a:rPr lang="en-US" altLang="ko-KR" dirty="0" err="1"/>
+              <a:t>plt</a:t>
+            </a:r>
+            <a:endParaRPr lang="en-US" altLang="ko-KR" dirty="0"/>
+          </a:p>
+          <a:p>
+            <a:r>
+              <a:rPr lang="en-US" altLang="ko-KR" dirty="0"/>
+              <a:t>import </a:t>
+            </a:r>
+            <a:r>
+              <a:rPr lang="en-US" altLang="ko-KR" dirty="0" err="1"/>
+              <a:t>numpy</a:t>
+            </a:r>
+            <a:r>
+              <a:rPr lang="en-US" altLang="ko-KR" dirty="0"/>
+              <a:t> as np</a:t>
+            </a:r>
+          </a:p>
+          <a:p>
+            <a:endParaRPr lang="en-US" altLang="ko-KR" dirty="0"/>
+          </a:p>
+          <a:p>
+            <a:r>
+              <a:rPr lang="en-US" altLang="ko-KR" dirty="0"/>
               <a:t># x, y </a:t>
             </a:r>
             <a:r>
-              <a:rPr lang="ko-KR" altLang="en-US"/>
+              <a:rPr lang="ko-KR" altLang="en-US" dirty="0"/>
               <a:t>데이터 생성</a:t>
             </a:r>
           </a:p>
           <a:p>
             <a:r>
-              <a:rPr lang="en-US" altLang="ko-KR"/>
-              <a:t>x = np.random.rand(100)</a:t>
-            </a:r>
-          </a:p>
-          <a:p>
-            <a:r>
-              <a:rPr lang="en-US" altLang="ko-KR"/>
-              <a:t>y = np.random.rand(100)</a:t>
-            </a:r>
-          </a:p>
-          <a:p>
-            <a:endParaRPr lang="en-US" altLang="ko-KR"/>
-          </a:p>
-          <a:p>
-            <a:r>
-              <a:rPr lang="en-US" altLang="ko-KR"/>
+              <a:rPr lang="en-US" altLang="ko-KR" dirty="0"/>
+              <a:t>x = </a:t>
+            </a:r>
+            <a:r>
+              <a:rPr lang="en-US" altLang="ko-KR" dirty="0" err="1"/>
+              <a:t>np.random.rand</a:t>
+            </a:r>
+            <a:r>
+              <a:rPr lang="en-US" altLang="ko-KR" dirty="0"/>
+              <a:t>(100)</a:t>
+            </a:r>
+          </a:p>
+          <a:p>
+            <a:r>
+              <a:rPr lang="en-US" altLang="ko-KR" dirty="0"/>
+              <a:t>y = </a:t>
+            </a:r>
+            <a:r>
+              <a:rPr lang="en-US" altLang="ko-KR" dirty="0" err="1"/>
+              <a:t>np.random.rand</a:t>
+            </a:r>
+            <a:r>
+              <a:rPr lang="en-US" altLang="ko-KR" dirty="0"/>
+              <a:t>(100)</a:t>
+            </a:r>
+          </a:p>
+          <a:p>
+            <a:endParaRPr lang="en-US" altLang="ko-KR" dirty="0"/>
+          </a:p>
+          <a:p>
+            <a:r>
+              <a:rPr lang="en-US" altLang="ko-KR" dirty="0"/>
               <a:t># </a:t>
             </a:r>
             <a:r>
-              <a:rPr lang="ko-KR" altLang="en-US"/>
-              <a:t>산점도 그리기</a:t>
-            </a:r>
-          </a:p>
-          <a:p>
-            <a:r>
-              <a:rPr lang="en-US" altLang="ko-KR"/>
-              <a:t>plt.scatter(x, y)</a:t>
-            </a:r>
-          </a:p>
-          <a:p>
-            <a:endParaRPr lang="en-US" altLang="ko-KR"/>
-          </a:p>
-          <a:p>
-            <a:r>
-              <a:rPr lang="en-US" altLang="ko-KR"/>
+              <a:rPr lang="ko-KR" altLang="en-US" dirty="0" err="1"/>
+              <a:t>산점도</a:t>
+            </a:r>
+            <a:r>
+              <a:rPr lang="ko-KR" altLang="en-US" dirty="0"/>
+              <a:t> 그리기</a:t>
+            </a:r>
+          </a:p>
+          <a:p>
+            <a:r>
+              <a:rPr lang="en-US" altLang="ko-KR" dirty="0" err="1"/>
+              <a:t>plt.scatter</a:t>
+            </a:r>
+            <a:r>
+              <a:rPr lang="en-US" altLang="ko-KR" dirty="0"/>
+              <a:t>(x, y)</a:t>
+            </a:r>
+          </a:p>
+          <a:p>
+            <a:endParaRPr lang="en-US" altLang="ko-KR" dirty="0"/>
+          </a:p>
+          <a:p>
+            <a:r>
+              <a:rPr lang="en-US" altLang="ko-KR" dirty="0"/>
               <a:t># </a:t>
             </a:r>
             <a:r>
-              <a:rPr lang="ko-KR" altLang="en-US"/>
+              <a:rPr lang="ko-KR" altLang="en-US" dirty="0"/>
               <a:t>그래프 타이틀과 축 라벨 설정</a:t>
             </a:r>
           </a:p>
           <a:p>
             <a:r>
-              <a:rPr lang="en-US" altLang="ko-KR"/>
-              <a:t>plt.title('Scatter Plot')</a:t>
-            </a:r>
-          </a:p>
-          <a:p>
-            <a:r>
-              <a:rPr lang="en-US" altLang="ko-KR"/>
-              <a:t>plt.xlabel('x')</a:t>
-            </a:r>
-          </a:p>
-          <a:p>
-            <a:r>
-              <a:rPr lang="en-US" altLang="ko-KR"/>
-              <a:t>plt.ylabel('y')</a:t>
-            </a:r>
-          </a:p>
-          <a:p>
-            <a:endParaRPr lang="en-US" altLang="ko-KR"/>
-          </a:p>
-          <a:p>
-            <a:r>
-              <a:rPr lang="en-US" altLang="ko-KR"/>
+              <a:rPr lang="en-US" altLang="ko-KR" dirty="0" err="1"/>
+              <a:t>plt.title</a:t>
+            </a:r>
+            <a:r>
+              <a:rPr lang="en-US" altLang="ko-KR" dirty="0"/>
+              <a:t>('Scatter Plot')</a:t>
+            </a:r>
+          </a:p>
+          <a:p>
+            <a:r>
+              <a:rPr lang="en-US" altLang="ko-KR" dirty="0" err="1"/>
+              <a:t>plt.xlabel</a:t>
+            </a:r>
+            <a:r>
+              <a:rPr lang="en-US" altLang="ko-KR" dirty="0"/>
+              <a:t>('x')</a:t>
+            </a:r>
+          </a:p>
+          <a:p>
+            <a:r>
+              <a:rPr lang="en-US" altLang="ko-KR" dirty="0" err="1"/>
+              <a:t>plt.ylabel</a:t>
+            </a:r>
+            <a:r>
+              <a:rPr lang="en-US" altLang="ko-KR" dirty="0"/>
+              <a:t>('y')</a:t>
+            </a:r>
+          </a:p>
+          <a:p>
+            <a:endParaRPr lang="en-US" altLang="ko-KR" dirty="0"/>
+          </a:p>
+          <a:p>
+            <a:r>
+              <a:rPr lang="en-US" altLang="ko-KR" dirty="0"/>
               <a:t># </a:t>
             </a:r>
             <a:r>
-              <a:rPr lang="ko-KR" altLang="en-US"/>
+              <a:rPr lang="ko-KR" altLang="en-US" dirty="0"/>
               <a:t>그래프 출력</a:t>
             </a:r>
           </a:p>
           <a:p>
             <a:r>
-              <a:rPr lang="en-US" altLang="ko-KR"/>
-              <a:t>plt.show()</a:t>
-            </a:r>
-            <a:endParaRPr lang="en-US" altLang="ko-KR" dirty="0"/>
+              <a:rPr lang="en-US" altLang="ko-KR" dirty="0" err="1"/>
+              <a:t>plt.show</a:t>
+            </a:r>
+            <a:r>
+              <a:rPr lang="en-US" altLang="ko-KR" dirty="0"/>
+              <a:t>()</a:t>
+            </a:r>
           </a:p>
         </p:txBody>
       </p:sp>
@@ -16770,86 +16830,178 @@
           <a:lstStyle/>
           <a:p>
             <a:r>
-              <a:rPr lang="en-US" altLang="ko-KR"/>
-              <a:t>import matplotlib.pyplot as plt</a:t>
-            </a:r>
-          </a:p>
-          <a:p>
-            <a:r>
-              <a:rPr lang="en-US" altLang="ko-KR"/>
-              <a:t>import numpy as np</a:t>
-            </a:r>
-          </a:p>
-          <a:p>
-            <a:endParaRPr lang="en-US" altLang="ko-KR"/>
-          </a:p>
-          <a:p>
-            <a:r>
-              <a:rPr lang="en-US" altLang="ko-KR"/>
+              <a:rPr lang="en-US" altLang="ko-KR" dirty="0"/>
+              <a:t>import </a:t>
+            </a:r>
+            <a:r>
+              <a:rPr lang="en-US" altLang="ko-KR" dirty="0" err="1"/>
+              <a:t>matplotlib.pyplot</a:t>
+            </a:r>
+            <a:r>
+              <a:rPr lang="en-US" altLang="ko-KR" dirty="0"/>
+              <a:t> as </a:t>
+            </a:r>
+            <a:r>
+              <a:rPr lang="en-US" altLang="ko-KR" dirty="0" err="1"/>
+              <a:t>plt</a:t>
+            </a:r>
+            <a:endParaRPr lang="en-US" altLang="ko-KR" dirty="0"/>
+          </a:p>
+          <a:p>
+            <a:r>
+              <a:rPr lang="en-US" altLang="ko-KR" dirty="0"/>
+              <a:t>import </a:t>
+            </a:r>
+            <a:r>
+              <a:rPr lang="en-US" altLang="ko-KR" dirty="0" err="1"/>
+              <a:t>numpy</a:t>
+            </a:r>
+            <a:r>
+              <a:rPr lang="en-US" altLang="ko-KR" dirty="0"/>
+              <a:t> as np</a:t>
+            </a:r>
+          </a:p>
+          <a:p>
+            <a:endParaRPr lang="en-US" altLang="ko-KR" dirty="0"/>
+          </a:p>
+          <a:p>
+            <a:r>
+              <a:rPr lang="en-US" altLang="ko-KR" dirty="0"/>
               <a:t># </a:t>
             </a:r>
             <a:r>
-              <a:rPr lang="ko-KR" altLang="en-US"/>
+              <a:rPr lang="ko-KR" altLang="en-US" dirty="0"/>
               <a:t>라인 스타일 변경 예제</a:t>
             </a:r>
           </a:p>
           <a:p>
             <a:r>
-              <a:rPr lang="en-US" altLang="ko-KR"/>
-              <a:t>x = np.arange(0, 10, 0.1)</a:t>
-            </a:r>
-          </a:p>
-          <a:p>
-            <a:r>
-              <a:rPr lang="en-US" altLang="ko-KR"/>
-              <a:t>y1 = np.sin(x)</a:t>
-            </a:r>
-          </a:p>
-          <a:p>
-            <a:r>
-              <a:rPr lang="en-US" altLang="ko-KR"/>
-              <a:t>y2 = np.cos(x)</a:t>
-            </a:r>
-          </a:p>
-          <a:p>
-            <a:endParaRPr lang="en-US" altLang="ko-KR"/>
-          </a:p>
-          <a:p>
-            <a:r>
-              <a:rPr lang="en-US" altLang="ko-KR"/>
-              <a:t>plt.plot(x, y1, linestyle='dashed')</a:t>
-            </a:r>
-          </a:p>
-          <a:p>
-            <a:r>
-              <a:rPr lang="en-US" altLang="ko-KR"/>
-              <a:t>plt.plot(x, y2, linestyle='dashdot')</a:t>
-            </a:r>
-          </a:p>
-          <a:p>
-            <a:r>
-              <a:rPr lang="en-US" altLang="ko-KR"/>
-              <a:t>plt.title('Sine and Cosine Waves')</a:t>
-            </a:r>
-          </a:p>
-          <a:p>
-            <a:r>
-              <a:rPr lang="en-US" altLang="ko-KR"/>
-              <a:t>plt.xlabel('x')</a:t>
-            </a:r>
-          </a:p>
-          <a:p>
-            <a:r>
-              <a:rPr lang="en-US" altLang="ko-KR"/>
-              <a:t>plt.ylabel('y')</a:t>
-            </a:r>
-          </a:p>
-          <a:p>
-            <a:r>
-              <a:rPr lang="en-US" altLang="ko-KR"/>
-              <a:t>plt.show()</a:t>
-            </a:r>
-            <a:endParaRPr lang="en-US" altLang="ko-KR" dirty="0" err="1"/>
+              <a:rPr lang="en-US" altLang="ko-KR" dirty="0"/>
+              <a:t>x = </a:t>
+            </a:r>
+            <a:r>
+              <a:rPr lang="en-US" altLang="ko-KR" dirty="0" err="1"/>
+              <a:t>np.arange</a:t>
+            </a:r>
+            <a:r>
+              <a:rPr lang="en-US" altLang="ko-KR" dirty="0"/>
+              <a:t>(0, 10, 0.1)</a:t>
+            </a:r>
+          </a:p>
+          <a:p>
+            <a:r>
+              <a:rPr lang="en-US" altLang="ko-KR" dirty="0"/>
+              <a:t>y1 = </a:t>
+            </a:r>
+            <a:r>
+              <a:rPr lang="en-US" altLang="ko-KR" dirty="0" err="1"/>
+              <a:t>np.sin</a:t>
+            </a:r>
+            <a:r>
+              <a:rPr lang="en-US" altLang="ko-KR" dirty="0"/>
+              <a:t>(x)</a:t>
+            </a:r>
+          </a:p>
+          <a:p>
+            <a:r>
+              <a:rPr lang="en-US" altLang="ko-KR" dirty="0"/>
+              <a:t>y2 = </a:t>
+            </a:r>
+            <a:r>
+              <a:rPr lang="en-US" altLang="ko-KR" dirty="0" err="1"/>
+              <a:t>np.cos</a:t>
+            </a:r>
+            <a:r>
+              <a:rPr lang="en-US" altLang="ko-KR" dirty="0"/>
+              <a:t>(x)</a:t>
+            </a:r>
+          </a:p>
+          <a:p>
+            <a:endParaRPr lang="en-US" altLang="ko-KR" dirty="0"/>
+          </a:p>
+          <a:p>
+            <a:r>
+              <a:rPr lang="en-US" altLang="ko-KR" dirty="0" err="1"/>
+              <a:t>plt.plot</a:t>
+            </a:r>
+            <a:r>
+              <a:rPr lang="en-US" altLang="ko-KR" dirty="0"/>
+              <a:t>(x, y1, </a:t>
+            </a:r>
+            <a:r>
+              <a:rPr lang="en-US" altLang="ko-KR" dirty="0" err="1"/>
+              <a:t>linestyle</a:t>
+            </a:r>
+            <a:r>
+              <a:rPr lang="en-US" altLang="ko-KR" dirty="0"/>
+              <a:t>='dashed')</a:t>
+            </a:r>
+          </a:p>
+          <a:p>
+            <a:r>
+              <a:rPr lang="en-US" altLang="ko-KR" dirty="0" err="1"/>
+              <a:t>plt.plot</a:t>
+            </a:r>
+            <a:r>
+              <a:rPr lang="en-US" altLang="ko-KR" dirty="0"/>
+              <a:t>(x, y2, </a:t>
+            </a:r>
+            <a:r>
+              <a:rPr lang="en-US" altLang="ko-KR" dirty="0" err="1"/>
+              <a:t>linestyle</a:t>
+            </a:r>
+            <a:r>
+              <a:rPr lang="en-US" altLang="ko-KR" dirty="0"/>
+              <a:t>='</a:t>
+            </a:r>
+            <a:r>
+              <a:rPr lang="en-US" altLang="ko-KR" dirty="0" err="1"/>
+              <a:t>dashdot</a:t>
+            </a:r>
+            <a:r>
+              <a:rPr lang="en-US" altLang="ko-KR" dirty="0"/>
+              <a:t>')</a:t>
+            </a:r>
+          </a:p>
+          <a:p>
+            <a:r>
+              <a:rPr lang="en-US" altLang="ko-KR" dirty="0" err="1"/>
+              <a:t>plt.title</a:t>
+            </a:r>
+            <a:r>
+              <a:rPr lang="en-US" altLang="ko-KR" dirty="0"/>
+              <a:t>('Sine and Cosine Waves')</a:t>
+            </a:r>
+          </a:p>
+          <a:p>
+            <a:r>
+              <a:rPr lang="en-US" altLang="ko-KR" dirty="0" err="1"/>
+              <a:t>plt.xlabel</a:t>
+            </a:r>
+            <a:r>
+              <a:rPr lang="en-US" altLang="ko-KR" dirty="0"/>
+              <a:t>('x')</a:t>
+            </a:r>
+          </a:p>
+          <a:p>
+            <a:r>
+              <a:rPr lang="en-US" altLang="ko-KR" dirty="0" err="1"/>
+              <a:t>plt.ylabel</a:t>
+            </a:r>
+            <a:r>
+              <a:rPr lang="en-US" altLang="ko-KR" dirty="0"/>
+              <a:t>('y')</a:t>
+            </a:r>
+          </a:p>
+          <a:p>
+            <a:r>
+              <a:rPr lang="en-US" altLang="ko-KR" dirty="0" err="1"/>
+              <a:t>plt.show</a:t>
+            </a:r>
+            <a:r>
+              <a:rPr lang="en-US" altLang="ko-KR" dirty="0"/>
+              <a:t>()</a:t>
+            </a:r>
           </a:p>
         </p:txBody>
       </p:sp>
@@ -17350,72 +17502,129 @@
           <a:lstStyle/>
           <a:p>
             <a:r>
-              <a:rPr lang="en-US" altLang="ko-KR"/>
-              <a:t>import matplotlib.pyplot as plt</a:t>
-            </a:r>
-          </a:p>
-          <a:p>
-            <a:r>
-              <a:rPr lang="en-US" altLang="ko-KR"/>
-              <a:t>import numpy as np</a:t>
-            </a:r>
-          </a:p>
-          <a:p>
-            <a:endParaRPr lang="en-US" altLang="ko-KR"/>
-          </a:p>
-          <a:p>
-            <a:r>
-              <a:rPr lang="en-US" altLang="ko-KR"/>
+              <a:rPr lang="en-US" altLang="ko-KR" dirty="0"/>
+              <a:t>import </a:t>
+            </a:r>
+            <a:r>
+              <a:rPr lang="en-US" altLang="ko-KR" dirty="0" err="1"/>
+              <a:t>matplotlib.pyplot</a:t>
+            </a:r>
+            <a:r>
+              <a:rPr lang="en-US" altLang="ko-KR" dirty="0"/>
+              <a:t> as </a:t>
+            </a:r>
+            <a:r>
+              <a:rPr lang="en-US" altLang="ko-KR" dirty="0" err="1"/>
+              <a:t>plt</a:t>
+            </a:r>
+            <a:endParaRPr lang="en-US" altLang="ko-KR" dirty="0"/>
+          </a:p>
+          <a:p>
+            <a:r>
+              <a:rPr lang="en-US" altLang="ko-KR" dirty="0"/>
+              <a:t>import </a:t>
+            </a:r>
+            <a:r>
+              <a:rPr lang="en-US" altLang="ko-KR" dirty="0" err="1"/>
+              <a:t>numpy</a:t>
+            </a:r>
+            <a:r>
+              <a:rPr lang="en-US" altLang="ko-KR" dirty="0"/>
+              <a:t> as np</a:t>
+            </a:r>
+          </a:p>
+          <a:p>
+            <a:endParaRPr lang="en-US" altLang="ko-KR" dirty="0"/>
+          </a:p>
+          <a:p>
+            <a:r>
+              <a:rPr lang="en-US" altLang="ko-KR" dirty="0"/>
               <a:t># </a:t>
             </a:r>
             <a:r>
-              <a:rPr lang="ko-KR" altLang="en-US"/>
+              <a:rPr lang="ko-KR" altLang="en-US" dirty="0"/>
               <a:t>마커 변경 예제</a:t>
             </a:r>
           </a:p>
           <a:p>
             <a:r>
-              <a:rPr lang="en-US" altLang="ko-KR"/>
-              <a:t>x = np.random.rand(50)</a:t>
-            </a:r>
-          </a:p>
-          <a:p>
-            <a:r>
-              <a:rPr lang="en-US" altLang="ko-KR"/>
-              <a:t>y = np.random.rand(50)</a:t>
-            </a:r>
-          </a:p>
-          <a:p>
-            <a:endParaRPr lang="en-US" altLang="ko-KR"/>
-          </a:p>
-          <a:p>
-            <a:r>
-              <a:rPr lang="en-US" altLang="ko-KR"/>
-              <a:t>plt.scatter(x, y, marker='^')</a:t>
-            </a:r>
-          </a:p>
-          <a:p>
-            <a:r>
-              <a:rPr lang="en-US" altLang="ko-KR"/>
-              <a:t>plt.title('Scatter Plot')</a:t>
-            </a:r>
-          </a:p>
-          <a:p>
-            <a:r>
-              <a:rPr lang="en-US" altLang="ko-KR"/>
-              <a:t>plt.xlabel('x')</a:t>
-            </a:r>
-          </a:p>
-          <a:p>
-            <a:r>
-              <a:rPr lang="en-US" altLang="ko-KR"/>
-              <a:t>plt.ylabel('y')</a:t>
-            </a:r>
-          </a:p>
-          <a:p>
-            <a:r>
-              <a:rPr lang="en-US" altLang="ko-KR"/>
-              <a:t>plt.show()</a:t>
+              <a:rPr lang="en-US" altLang="ko-KR" dirty="0"/>
+              <a:t>x = </a:t>
+            </a:r>
+            <a:r>
+              <a:rPr lang="en-US" altLang="ko-KR" dirty="0" err="1"/>
+              <a:t>np.random.rand</a:t>
+            </a:r>
+            <a:r>
+              <a:rPr lang="en-US" altLang="ko-KR" dirty="0"/>
+              <a:t>(50)</a:t>
+            </a:r>
+          </a:p>
+          <a:p>
+            <a:r>
+              <a:rPr lang="en-US" altLang="ko-KR" dirty="0"/>
+              <a:t>y = </a:t>
+            </a:r>
+            <a:r>
+              <a:rPr lang="en-US" altLang="ko-KR" dirty="0" err="1"/>
+              <a:t>np.random.rand</a:t>
+            </a:r>
+            <a:r>
+              <a:rPr lang="en-US" altLang="ko-KR" dirty="0"/>
+              <a:t>(50)</a:t>
+            </a:r>
+          </a:p>
+          <a:p>
+            <a:endParaRPr lang="en-US" altLang="ko-KR" dirty="0"/>
+          </a:p>
+          <a:p>
+            <a:r>
+              <a:rPr lang="en-US" altLang="ko-KR" dirty="0" err="1"/>
+              <a:t>plt.scatter</a:t>
+            </a:r>
+            <a:r>
+              <a:rPr lang="en-US" altLang="ko-KR" dirty="0"/>
+              <a:t>(x, y, marker='^')</a:t>
+            </a:r>
+          </a:p>
+          <a:p>
+            <a:r>
+              <a:rPr lang="en-US" altLang="ko-KR" dirty="0" err="1"/>
+              <a:t>plt.title</a:t>
+            </a:r>
+            <a:r>
+              <a:rPr lang="en-US" altLang="ko-KR" dirty="0"/>
+              <a:t>('Scatter Plot')</a:t>
+            </a:r>
+          </a:p>
+          <a:p>
+            <a:r>
+              <a:rPr lang="en-US" altLang="ko-KR" dirty="0" err="1"/>
+              <a:t>plt.xlabel</a:t>
+            </a:r>
+            <a:r>
+              <a:rPr lang="en-US" altLang="ko-KR" dirty="0"/>
+              <a:t>('x')</a:t>
+            </a:r>
+          </a:p>
+          <a:p>
+            <a:r>
+              <a:rPr lang="en-US" altLang="ko-KR" dirty="0" err="1"/>
+              <a:t>plt.ylabel</a:t>
+            </a:r>
+            <a:r>
+              <a:rPr lang="en-US" altLang="ko-KR" dirty="0"/>
+              <a:t>('y')</a:t>
+            </a:r>
+          </a:p>
+          <a:p>
+            <a:r>
+              <a:rPr lang="en-US" altLang="ko-KR" dirty="0" err="1"/>
+              <a:t>plt.show</a:t>
+            </a:r>
+            <a:r>
+              <a:rPr lang="en-US" altLang="ko-KR" dirty="0"/>
+              <a:t>()</a:t>
             </a:r>
           </a:p>
         </p:txBody>
@@ -23018,40 +23227,76 @@
           <a:lstStyle/>
           <a:p>
             <a:r>
-              <a:rPr lang="en-US" altLang="ko-KR"/>
-              <a:t>import matplotlib.pyplot as plt</a:t>
-            </a:r>
-          </a:p>
-          <a:p>
-            <a:r>
-              <a:rPr lang="en-US" altLang="ko-KR"/>
-              <a:t>import numpy as np</a:t>
-            </a:r>
-          </a:p>
-          <a:p>
-            <a:endParaRPr lang="en-US" altLang="ko-KR"/>
-          </a:p>
-          <a:p>
-            <a:r>
-              <a:rPr lang="en-US" altLang="ko-KR"/>
-              <a:t>data = np.random.normal(0, 1, 1000)</a:t>
-            </a:r>
-          </a:p>
-          <a:p>
-            <a:endParaRPr lang="en-US" altLang="ko-KR"/>
-          </a:p>
-          <a:p>
-            <a:r>
-              <a:rPr lang="en-US" altLang="ko-KR"/>
-              <a:t>plt.hist(data)</a:t>
-            </a:r>
-          </a:p>
-          <a:p>
-            <a:r>
-              <a:rPr lang="en-US" altLang="ko-KR"/>
-              <a:t>plt.show()</a:t>
-            </a:r>
-            <a:endParaRPr lang="en-US" altLang="ko-KR" dirty="0" err="1"/>
+              <a:rPr lang="en-US" altLang="ko-KR" dirty="0"/>
+              <a:t>import </a:t>
+            </a:r>
+            <a:r>
+              <a:rPr lang="en-US" altLang="ko-KR" dirty="0" err="1"/>
+              <a:t>matplotlib.pyplot</a:t>
+            </a:r>
+            <a:r>
+              <a:rPr lang="en-US" altLang="ko-KR" dirty="0"/>
+              <a:t> as </a:t>
+            </a:r>
+            <a:r>
+              <a:rPr lang="en-US" altLang="ko-KR" dirty="0" err="1"/>
+              <a:t>plt</a:t>
+            </a:r>
+            <a:endParaRPr lang="en-US" altLang="ko-KR" dirty="0"/>
+          </a:p>
+          <a:p>
+            <a:r>
+              <a:rPr lang="en-US" altLang="ko-KR" dirty="0"/>
+              <a:t>import </a:t>
+            </a:r>
+            <a:r>
+              <a:rPr lang="en-US" altLang="ko-KR" dirty="0" err="1"/>
+              <a:t>numpy</a:t>
+            </a:r>
+            <a:r>
+              <a:rPr lang="en-US" altLang="ko-KR" dirty="0"/>
+              <a:t> as np</a:t>
+            </a:r>
+          </a:p>
+          <a:p>
+            <a:endParaRPr lang="en-US" altLang="ko-KR" dirty="0"/>
+          </a:p>
+          <a:p>
+            <a:r>
+              <a:rPr lang="en-US" altLang="ko-KR" dirty="0"/>
+              <a:t>data = </a:t>
+            </a:r>
+            <a:r>
+              <a:rPr lang="en-US" altLang="ko-KR" dirty="0" err="1"/>
+              <a:t>np.random.normal</a:t>
+            </a:r>
+            <a:r>
+              <a:rPr lang="en-US" altLang="ko-KR" dirty="0"/>
+              <a:t>(0, 1, 1000)</a:t>
+            </a:r>
+          </a:p>
+          <a:p>
+            <a:endParaRPr lang="en-US" altLang="ko-KR" dirty="0"/>
+          </a:p>
+          <a:p>
+            <a:r>
+              <a:rPr lang="en-US" altLang="ko-KR" dirty="0" err="1"/>
+              <a:t>plt.hist</a:t>
+            </a:r>
+            <a:r>
+              <a:rPr lang="en-US" altLang="ko-KR" dirty="0"/>
+              <a:t>(data)</a:t>
+            </a:r>
+          </a:p>
+          <a:p>
+            <a:r>
+              <a:rPr lang="en-US" altLang="ko-KR" dirty="0" err="1"/>
+              <a:t>plt.show</a:t>
+            </a:r>
+            <a:r>
+              <a:rPr lang="en-US" altLang="ko-KR" dirty="0"/>
+              <a:t>()</a:t>
+            </a:r>
           </a:p>
         </p:txBody>
       </p:sp>
@@ -38670,11 +38915,6 @@
               <a:rPr lang="en-US" altLang="ko-KR" dirty="0"/>
               <a:t>#</a:t>
             </a:r>
-            <a:r>
-              <a:rPr lang="ko-KR" altLang="en-US" dirty="0" err="1"/>
-              <a:t>넘파이제공</a:t>
-            </a:r>
-            <a:endParaRPr lang="en-US" altLang="ko-KR" dirty="0"/>
           </a:p>
           <a:p>
             <a:pPr lvl="1"/>
@@ -41029,7 +41269,7 @@
           <a:graphicData uri="http://schemas.openxmlformats.org/presentationml/2006/ole">
             <mc:AlternateContent xmlns:mc="http://schemas.openxmlformats.org/markup-compatibility/2006">
               <mc:Choice xmlns:v="urn:schemas-microsoft-com:vml" Requires="v">
-                <p:oleObj spid="_x0000_s1026" name="Macro-Enabled Worksheet" showAsIcon="1" r:id="rId3" imgW="914487" imgH="806515" progId="Excel.SheetMacroEnabled.12">
+                <p:oleObj spid="_x0000_s1028" name="Macro-Enabled Worksheet" showAsIcon="1" r:id="rId3" imgW="914487" imgH="806515" progId="Excel.SheetMacroEnabled.12">
                   <p:embed/>
                 </p:oleObj>
               </mc:Choice>

--- a/파이썬 9.pptx
+++ b/파이썬 9.pptx
@@ -336,7 +336,7 @@
           <a:p>
             <a:fld id="{26E2ECC0-5849-4A59-942D-C761FDE0359C}" type="datetimeFigureOut">
               <a:rPr lang="ko-KR" altLang="en-US" smtClean="0"/>
-              <a:t>2023-06-12</a:t>
+              <a:t>2023-06-19</a:t>
             </a:fld>
             <a:endParaRPr lang="ko-KR" altLang="en-US"/>
           </a:p>
@@ -866,7 +866,7 @@
           <a:p>
             <a:fld id="{4C5E94B8-1199-48B0-8149-7F350A6B999E}" type="datetimeFigureOut">
               <a:rPr lang="ko-KR" altLang="en-US" smtClean="0"/>
-              <a:t>2023-06-12</a:t>
+              <a:t>2023-06-19</a:t>
             </a:fld>
             <a:endParaRPr lang="ko-KR" altLang="en-US"/>
           </a:p>
@@ -1034,7 +1034,7 @@
           <a:p>
             <a:fld id="{4C5E94B8-1199-48B0-8149-7F350A6B999E}" type="datetimeFigureOut">
               <a:rPr lang="ko-KR" altLang="en-US" smtClean="0"/>
-              <a:t>2023-06-12</a:t>
+              <a:t>2023-06-19</a:t>
             </a:fld>
             <a:endParaRPr lang="ko-KR" altLang="en-US"/>
           </a:p>
@@ -1212,7 +1212,7 @@
           <a:p>
             <a:fld id="{4C5E94B8-1199-48B0-8149-7F350A6B999E}" type="datetimeFigureOut">
               <a:rPr lang="ko-KR" altLang="en-US" smtClean="0"/>
-              <a:t>2023-06-12</a:t>
+              <a:t>2023-06-19</a:t>
             </a:fld>
             <a:endParaRPr lang="ko-KR" altLang="en-US"/>
           </a:p>
@@ -1423,7 +1423,7 @@
           <a:p>
             <a:fld id="{4C5E94B8-1199-48B0-8149-7F350A6B999E}" type="datetimeFigureOut">
               <a:rPr lang="ko-KR" altLang="en-US" smtClean="0"/>
-              <a:t>2023-06-12</a:t>
+              <a:t>2023-06-19</a:t>
             </a:fld>
             <a:endParaRPr lang="ko-KR" altLang="en-US"/>
           </a:p>
@@ -1668,7 +1668,7 @@
           <a:p>
             <a:fld id="{4C5E94B8-1199-48B0-8149-7F350A6B999E}" type="datetimeFigureOut">
               <a:rPr lang="ko-KR" altLang="en-US" smtClean="0"/>
-              <a:t>2023-06-12</a:t>
+              <a:t>2023-06-19</a:t>
             </a:fld>
             <a:endParaRPr lang="ko-KR" altLang="en-US"/>
           </a:p>
@@ -1953,7 +1953,7 @@
           <a:p>
             <a:fld id="{4C5E94B8-1199-48B0-8149-7F350A6B999E}" type="datetimeFigureOut">
               <a:rPr lang="ko-KR" altLang="en-US" smtClean="0"/>
-              <a:t>2023-06-12</a:t>
+              <a:t>2023-06-19</a:t>
             </a:fld>
             <a:endParaRPr lang="ko-KR" altLang="en-US"/>
           </a:p>
@@ -2372,7 +2372,7 @@
           <a:p>
             <a:fld id="{4C5E94B8-1199-48B0-8149-7F350A6B999E}" type="datetimeFigureOut">
               <a:rPr lang="ko-KR" altLang="en-US" smtClean="0"/>
-              <a:t>2023-06-12</a:t>
+              <a:t>2023-06-19</a:t>
             </a:fld>
             <a:endParaRPr lang="ko-KR" altLang="en-US"/>
           </a:p>
@@ -2489,7 +2489,7 @@
           <a:p>
             <a:fld id="{4C5E94B8-1199-48B0-8149-7F350A6B999E}" type="datetimeFigureOut">
               <a:rPr lang="ko-KR" altLang="en-US" smtClean="0"/>
-              <a:t>2023-06-12</a:t>
+              <a:t>2023-06-19</a:t>
             </a:fld>
             <a:endParaRPr lang="ko-KR" altLang="en-US"/>
           </a:p>
@@ -2584,7 +2584,7 @@
           <a:p>
             <a:fld id="{4C5E94B8-1199-48B0-8149-7F350A6B999E}" type="datetimeFigureOut">
               <a:rPr lang="ko-KR" altLang="en-US" smtClean="0"/>
-              <a:t>2023-06-12</a:t>
+              <a:t>2023-06-19</a:t>
             </a:fld>
             <a:endParaRPr lang="ko-KR" altLang="en-US"/>
           </a:p>
@@ -2859,7 +2859,7 @@
           <a:p>
             <a:fld id="{4C5E94B8-1199-48B0-8149-7F350A6B999E}" type="datetimeFigureOut">
               <a:rPr lang="ko-KR" altLang="en-US" smtClean="0"/>
-              <a:t>2023-06-12</a:t>
+              <a:t>2023-06-19</a:t>
             </a:fld>
             <a:endParaRPr lang="ko-KR" altLang="en-US"/>
           </a:p>
@@ -3111,7 +3111,7 @@
           <a:p>
             <a:fld id="{4C5E94B8-1199-48B0-8149-7F350A6B999E}" type="datetimeFigureOut">
               <a:rPr lang="ko-KR" altLang="en-US" smtClean="0"/>
-              <a:t>2023-06-12</a:t>
+              <a:t>2023-06-19</a:t>
             </a:fld>
             <a:endParaRPr lang="ko-KR" altLang="en-US"/>
           </a:p>
@@ -3322,7 +3322,7 @@
           <a:p>
             <a:fld id="{4C5E94B8-1199-48B0-8149-7F350A6B999E}" type="datetimeFigureOut">
               <a:rPr lang="ko-KR" altLang="en-US" smtClean="0"/>
-              <a:t>2023-06-12</a:t>
+              <a:t>2023-06-19</a:t>
             </a:fld>
             <a:endParaRPr lang="ko-KR" altLang="en-US"/>
           </a:p>
@@ -11831,7 +11831,7 @@
           <a:graphicData uri="http://schemas.openxmlformats.org/presentationml/2006/ole">
             <mc:AlternateContent xmlns:mc="http://schemas.openxmlformats.org/markup-compatibility/2006">
               <mc:Choice xmlns:v="urn:schemas-microsoft-com:vml" Requires="v">
-                <p:oleObj spid="_x0000_s2052" name="Macro-Enabled Worksheet" showAsIcon="1" r:id="rId4" imgW="914487" imgH="806515" progId="Excel.SheetMacroEnabled.12">
+                <p:oleObj spid="_x0000_s2056" name="Macro-Enabled Worksheet" showAsIcon="1" r:id="rId4" imgW="914487" imgH="806515" progId="Excel.SheetMacroEnabled.12">
                   <p:embed/>
                 </p:oleObj>
               </mc:Choice>
@@ -41269,7 +41269,7 @@
           <a:graphicData uri="http://schemas.openxmlformats.org/presentationml/2006/ole">
             <mc:AlternateContent xmlns:mc="http://schemas.openxmlformats.org/markup-compatibility/2006">
               <mc:Choice xmlns:v="urn:schemas-microsoft-com:vml" Requires="v">
-                <p:oleObj spid="_x0000_s1028" name="Macro-Enabled Worksheet" showAsIcon="1" r:id="rId3" imgW="914487" imgH="806515" progId="Excel.SheetMacroEnabled.12">
+                <p:oleObj spid="_x0000_s1032" name="Macro-Enabled Worksheet" showAsIcon="1" r:id="rId3" imgW="914487" imgH="806515" progId="Excel.SheetMacroEnabled.12">
                   <p:embed/>
                 </p:oleObj>
               </mc:Choice>
@@ -44807,7 +44807,15 @@
             </a:r>
             <a:r>
               <a:rPr lang="ko-KR" altLang="en-US" sz="1200" dirty="0"/>
-              <a:t>)</a:t>
+              <a:t>) </a:t>
+            </a:r>
+            <a:r>
+              <a:rPr lang="en-US" altLang="ko-KR" sz="1200" dirty="0"/>
+              <a:t>//</a:t>
+            </a:r>
+            <a:r>
+              <a:rPr lang="ko-KR" altLang="en-US" sz="1200" dirty="0"/>
+              <a:t>람다함수 써</a:t>
             </a:r>
           </a:p>
           <a:p>
@@ -45447,115 +45455,187 @@
           <a:lstStyle/>
           <a:p>
             <a:r>
-              <a:rPr lang="en-US" altLang="ko-KR" sz="1400"/>
+              <a:rPr lang="en-US" altLang="ko-KR" sz="1400" dirty="0"/>
               <a:t>import pandas as pd</a:t>
             </a:r>
           </a:p>
           <a:p>
-            <a:endParaRPr lang="en-US" altLang="ko-KR" sz="1400"/>
-          </a:p>
-          <a:p>
-            <a:r>
-              <a:rPr lang="en-US" altLang="ko-KR" sz="1400"/>
+            <a:endParaRPr lang="en-US" altLang="ko-KR" sz="1400" dirty="0"/>
+          </a:p>
+          <a:p>
+            <a:r>
+              <a:rPr lang="en-US" altLang="ko-KR" sz="1400" dirty="0"/>
               <a:t># </a:t>
             </a:r>
             <a:r>
-              <a:rPr lang="ko-KR" altLang="en-US" sz="1400"/>
+              <a:rPr lang="ko-KR" altLang="en-US" sz="1400" dirty="0"/>
               <a:t>샘플 데이터 생성</a:t>
             </a:r>
           </a:p>
           <a:p>
             <a:r>
-              <a:rPr lang="en-US" altLang="ko-KR" sz="1400"/>
+              <a:rPr lang="en-US" altLang="ko-KR" sz="1400" dirty="0"/>
               <a:t>data = {</a:t>
             </a:r>
           </a:p>
           <a:p>
             <a:r>
-              <a:rPr lang="en-US" altLang="ko-KR" sz="1400"/>
+              <a:rPr lang="en-US" altLang="ko-KR" sz="1400" dirty="0"/>
               <a:t>    'text': ['Hello, World!', 'Pandas is great', 'Python is awesome']</a:t>
             </a:r>
           </a:p>
           <a:p>
             <a:r>
-              <a:rPr lang="en-US" altLang="ko-KR" sz="1400"/>
+              <a:rPr lang="en-US" altLang="ko-KR" sz="1400" dirty="0"/>
               <a:t>}</a:t>
             </a:r>
           </a:p>
           <a:p>
             <a:r>
-              <a:rPr lang="en-US" altLang="ko-KR" sz="1400"/>
-              <a:t>df = pd.DataFrame(data)</a:t>
-            </a:r>
-          </a:p>
-          <a:p>
-            <a:endParaRPr lang="en-US" altLang="ko-KR" sz="1400"/>
-          </a:p>
-          <a:p>
-            <a:r>
-              <a:rPr lang="en-US" altLang="ko-KR" sz="1400"/>
+              <a:rPr lang="en-US" altLang="ko-KR" sz="1400" dirty="0"/>
+              <a:t>df = </a:t>
+            </a:r>
+            <a:r>
+              <a:rPr lang="en-US" altLang="ko-KR" sz="1400" dirty="0" err="1"/>
+              <a:t>pd.DataFrame</a:t>
+            </a:r>
+            <a:r>
+              <a:rPr lang="en-US" altLang="ko-KR" sz="1400" dirty="0"/>
+              <a:t>(data)</a:t>
+            </a:r>
+          </a:p>
+          <a:p>
+            <a:endParaRPr lang="en-US" altLang="ko-KR" sz="1400" dirty="0"/>
+          </a:p>
+          <a:p>
+            <a:r>
+              <a:rPr lang="en-US" altLang="ko-KR" sz="1400" dirty="0"/>
               <a:t># </a:t>
             </a:r>
             <a:r>
-              <a:rPr lang="ko-KR" altLang="en-US" sz="1400"/>
+              <a:rPr lang="ko-KR" altLang="en-US" sz="1400" dirty="0"/>
               <a:t>문자열 처리 작업</a:t>
             </a:r>
           </a:p>
           <a:p>
             <a:r>
-              <a:rPr lang="en-US" altLang="ko-KR" sz="1400"/>
-              <a:t>df['lower'] = df['text'].str.lower()  # </a:t>
-            </a:r>
-            <a:r>
-              <a:rPr lang="ko-KR" altLang="en-US" sz="1400"/>
+              <a:rPr lang="en-US" altLang="ko-KR" sz="1400" dirty="0"/>
+              <a:t>df['lower'] = df['text'].</a:t>
+            </a:r>
+            <a:r>
+              <a:rPr lang="en-US" altLang="ko-KR" sz="1400" dirty="0" err="1"/>
+              <a:t>str.lower</a:t>
+            </a:r>
+            <a:r>
+              <a:rPr lang="en-US" altLang="ko-KR" sz="1400" dirty="0"/>
+              <a:t>()  # </a:t>
+            </a:r>
+            <a:r>
+              <a:rPr lang="ko-KR" altLang="en-US" sz="1400" dirty="0"/>
               <a:t>모든 문자를 소문자로 변환</a:t>
             </a:r>
           </a:p>
           <a:p>
             <a:r>
-              <a:rPr lang="en-US" altLang="ko-KR" sz="1400"/>
-              <a:t>df['words'] = df['text'].str.split()  # </a:t>
-            </a:r>
-            <a:r>
-              <a:rPr lang="ko-KR" altLang="en-US" sz="1400"/>
+              <a:rPr lang="en-US" altLang="ko-KR" sz="1400" dirty="0"/>
+              <a:t>df['words'] = df['text'].</a:t>
+            </a:r>
+            <a:r>
+              <a:rPr lang="en-US" altLang="ko-KR" sz="1400" dirty="0" err="1"/>
+              <a:t>str.split</a:t>
+            </a:r>
+            <a:r>
+              <a:rPr lang="en-US" altLang="ko-KR" sz="1400" dirty="0"/>
+              <a:t>()  # </a:t>
+            </a:r>
+            <a:r>
+              <a:rPr lang="ko-KR" altLang="en-US" sz="1400" dirty="0"/>
               <a:t>공백을 기준으로 단어 분할</a:t>
             </a:r>
           </a:p>
           <a:p>
             <a:r>
-              <a:rPr lang="en-US" altLang="ko-KR" sz="1400"/>
-              <a:t>df['no_punctuation'] = df['text'].str.replace('[^\w\s]', '', regex=True)  # </a:t>
-            </a:r>
-            <a:r>
-              <a:rPr lang="ko-KR" altLang="en-US" sz="1400"/>
+              <a:rPr lang="en-US" altLang="ko-KR" sz="1400" dirty="0"/>
+              <a:t>df['</a:t>
+            </a:r>
+            <a:r>
+              <a:rPr lang="en-US" altLang="ko-KR" sz="1400" dirty="0" err="1"/>
+              <a:t>no_punctuation</a:t>
+            </a:r>
+            <a:r>
+              <a:rPr lang="en-US" altLang="ko-KR" sz="1400" dirty="0"/>
+              <a:t>'] = df['text'].</a:t>
+            </a:r>
+            <a:r>
+              <a:rPr lang="en-US" altLang="ko-KR" sz="1400" dirty="0" err="1"/>
+              <a:t>str.replace</a:t>
+            </a:r>
+            <a:r>
+              <a:rPr lang="en-US" altLang="ko-KR" sz="1400" dirty="0"/>
+              <a:t>('[^\w\s]', '', regex=True)  # </a:t>
+            </a:r>
+            <a:r>
+              <a:rPr lang="ko-KR" altLang="en-US" sz="1400" dirty="0"/>
               <a:t>구두점</a:t>
             </a:r>
             <a:r>
-              <a:rPr lang="en-US" altLang="ko-KR" sz="1400"/>
+              <a:rPr lang="en-US" altLang="ko-KR" sz="1400" dirty="0"/>
               <a:t>, </a:t>
             </a:r>
             <a:r>
-              <a:rPr lang="ko-KR" altLang="en-US" sz="1400"/>
+              <a:rPr lang="ko-KR" altLang="en-US" sz="1400" dirty="0"/>
               <a:t>기호 제거</a:t>
             </a:r>
           </a:p>
           <a:p>
             <a:r>
-              <a:rPr lang="en-US" altLang="ko-KR" sz="1400"/>
-              <a:t>df['word_count'] = df['text'].str.split().str.len()  # </a:t>
-            </a:r>
-            <a:r>
-              <a:rPr lang="ko-KR" altLang="en-US" sz="1400"/>
+              <a:rPr lang="en-US" altLang="ko-KR" sz="1400" dirty="0"/>
+              <a:t>df['</a:t>
+            </a:r>
+            <a:r>
+              <a:rPr lang="en-US" altLang="ko-KR" sz="1400" dirty="0" err="1"/>
+              <a:t>word_count</a:t>
+            </a:r>
+            <a:r>
+              <a:rPr lang="en-US" altLang="ko-KR" sz="1400" dirty="0"/>
+              <a:t>'] = df['text'].</a:t>
+            </a:r>
+            <a:r>
+              <a:rPr lang="en-US" altLang="ko-KR" sz="1400" dirty="0" err="1"/>
+              <a:t>str.split</a:t>
+            </a:r>
+            <a:r>
+              <a:rPr lang="en-US" altLang="ko-KR" sz="1400" dirty="0"/>
+              <a:t>().</a:t>
+            </a:r>
+            <a:r>
+              <a:rPr lang="en-US" altLang="ko-KR" sz="1400" dirty="0" err="1"/>
+              <a:t>str.len</a:t>
+            </a:r>
+            <a:r>
+              <a:rPr lang="en-US" altLang="ko-KR" sz="1400" dirty="0"/>
+              <a:t>()  # </a:t>
+            </a:r>
+            <a:r>
+              <a:rPr lang="ko-KR" altLang="en-US" sz="1400" dirty="0"/>
               <a:t>단어 개수 계산</a:t>
             </a:r>
           </a:p>
           <a:p>
-            <a:endParaRPr lang="ko-KR" altLang="en-US" sz="1400"/>
-          </a:p>
-          <a:p>
-            <a:r>
-              <a:rPr lang="en-US" altLang="ko-KR" sz="1400"/>
-              <a:t>print(df.iloc[:, 1:])</a:t>
+            <a:endParaRPr lang="ko-KR" altLang="en-US" sz="1400" dirty="0"/>
+          </a:p>
+          <a:p>
+            <a:r>
+              <a:rPr lang="en-US" altLang="ko-KR" sz="1400" dirty="0"/>
+              <a:t>print(</a:t>
+            </a:r>
+            <a:r>
+              <a:rPr lang="en-US" altLang="ko-KR" sz="1400" dirty="0" err="1"/>
+              <a:t>df.iloc</a:t>
+            </a:r>
+            <a:r>
+              <a:rPr lang="en-US" altLang="ko-KR" sz="1400" dirty="0"/>
+              <a:t>[:, 1:])</a:t>
             </a:r>
           </a:p>
           <a:p>
@@ -47962,7 +48042,7 @@
         <p:spPr>
           <a:xfrm>
             <a:off x="2339752" y="1751270"/>
-            <a:ext cx="6347048" cy="4832092"/>
+            <a:ext cx="6347048" cy="5047536"/>
           </a:xfrm>
           <a:prstGeom prst="rect">
             <a:avLst/>
@@ -48250,6 +48330,17 @@
             <a:r>
               <a:rPr lang="ko-KR" altLang="en-US" sz="1400" dirty="0"/>
               <a:t>)</a:t>
+            </a:r>
+            <a:endParaRPr lang="en-US" altLang="ko-KR" sz="1400" dirty="0"/>
+          </a:p>
+          <a:p>
+            <a:r>
+              <a:rPr lang="en-US" altLang="ko-KR" sz="1400" dirty="0"/>
+              <a:t>#age</a:t>
+            </a:r>
+            <a:r>
+              <a:rPr lang="ko-KR" altLang="en-US" sz="1400" dirty="0"/>
+              <a:t>를 기준으로 행을 정렬한다</a:t>
             </a:r>
           </a:p>
           <a:p>
@@ -52128,215 +52219,251 @@
           <a:lstStyle/>
           <a:p>
             <a:r>
-              <a:rPr lang="en-US" altLang="ko-KR" sz="1200"/>
+              <a:rPr lang="en-US" altLang="ko-KR" sz="1200" dirty="0"/>
               <a:t>import pandas as pd</a:t>
             </a:r>
           </a:p>
           <a:p>
-            <a:endParaRPr lang="en-US" altLang="ko-KR" sz="1200"/>
-          </a:p>
-          <a:p>
-            <a:r>
-              <a:rPr lang="en-US" altLang="ko-KR" sz="1200"/>
+            <a:endParaRPr lang="en-US" altLang="ko-KR" sz="1200" dirty="0"/>
+          </a:p>
+          <a:p>
+            <a:r>
+              <a:rPr lang="en-US" altLang="ko-KR" sz="1200" dirty="0"/>
               <a:t># </a:t>
             </a:r>
             <a:r>
-              <a:rPr lang="ko-KR" altLang="en-US" sz="1200"/>
+              <a:rPr lang="ko-KR" altLang="en-US" sz="1200" dirty="0"/>
               <a:t>예시 데이터프레임 생성</a:t>
             </a:r>
           </a:p>
           <a:p>
             <a:r>
-              <a:rPr lang="en-US" altLang="ko-KR" sz="1200"/>
+              <a:rPr lang="en-US" altLang="ko-KR" sz="1200" dirty="0"/>
               <a:t>data = {'</a:t>
             </a:r>
             <a:r>
-              <a:rPr lang="ko-KR" altLang="en-US" sz="1200"/>
+              <a:rPr lang="ko-KR" altLang="en-US" sz="1200" dirty="0"/>
               <a:t>학과</a:t>
             </a:r>
             <a:r>
-              <a:rPr lang="en-US" altLang="ko-KR" sz="1200"/>
+              <a:rPr lang="en-US" altLang="ko-KR" sz="1200" dirty="0"/>
               <a:t>': ['</a:t>
             </a:r>
             <a:r>
-              <a:rPr lang="ko-KR" altLang="en-US" sz="1200"/>
+              <a:rPr lang="ko-KR" altLang="en-US" sz="1200" dirty="0"/>
               <a:t>전산학과</a:t>
             </a:r>
             <a:r>
-              <a:rPr lang="en-US" altLang="ko-KR" sz="1200"/>
+              <a:rPr lang="en-US" altLang="ko-KR" sz="1200" dirty="0"/>
               <a:t>', '</a:t>
             </a:r>
             <a:r>
-              <a:rPr lang="ko-KR" altLang="en-US" sz="1200"/>
+              <a:rPr lang="ko-KR" altLang="en-US" sz="1200" dirty="0"/>
               <a:t>전자공학과</a:t>
             </a:r>
             <a:r>
-              <a:rPr lang="en-US" altLang="ko-KR" sz="1200"/>
+              <a:rPr lang="en-US" altLang="ko-KR" sz="1200" dirty="0"/>
               <a:t>', '</a:t>
             </a:r>
             <a:r>
-              <a:rPr lang="ko-KR" altLang="en-US" sz="1200"/>
+              <a:rPr lang="ko-KR" altLang="en-US" sz="1200" dirty="0"/>
               <a:t>전자공학과</a:t>
             </a:r>
             <a:r>
-              <a:rPr lang="en-US" altLang="ko-KR" sz="1200"/>
+              <a:rPr lang="en-US" altLang="ko-KR" sz="1200" dirty="0"/>
               <a:t>', '</a:t>
             </a:r>
             <a:r>
-              <a:rPr lang="ko-KR" altLang="en-US" sz="1200"/>
+              <a:rPr lang="ko-KR" altLang="en-US" sz="1200" dirty="0"/>
               <a:t>경영학과</a:t>
             </a:r>
             <a:r>
-              <a:rPr lang="en-US" altLang="ko-KR" sz="1200"/>
+              <a:rPr lang="en-US" altLang="ko-KR" sz="1200" dirty="0"/>
               <a:t>', '</a:t>
             </a:r>
             <a:r>
-              <a:rPr lang="ko-KR" altLang="en-US" sz="1200"/>
+              <a:rPr lang="ko-KR" altLang="en-US" sz="1200" dirty="0"/>
               <a:t>경영학과</a:t>
             </a:r>
             <a:r>
-              <a:rPr lang="en-US" altLang="ko-KR" sz="1200"/>
+              <a:rPr lang="en-US" altLang="ko-KR" sz="1200" dirty="0"/>
               <a:t>'],</a:t>
             </a:r>
           </a:p>
           <a:p>
             <a:r>
-              <a:rPr lang="en-US" altLang="ko-KR" sz="1200"/>
+              <a:rPr lang="en-US" altLang="ko-KR" sz="1200" dirty="0"/>
               <a:t>        '</a:t>
             </a:r>
             <a:r>
-              <a:rPr lang="ko-KR" altLang="en-US" sz="1200"/>
+              <a:rPr lang="ko-KR" altLang="en-US" sz="1200" dirty="0"/>
               <a:t>성적</a:t>
             </a:r>
             <a:r>
-              <a:rPr lang="en-US" altLang="ko-KR" sz="1200"/>
+              <a:rPr lang="en-US" altLang="ko-KR" sz="1200" dirty="0"/>
               <a:t>': [80, 90, 75, 85, 95],</a:t>
             </a:r>
           </a:p>
           <a:p>
             <a:r>
-              <a:rPr lang="en-US" altLang="ko-KR" sz="1200"/>
+              <a:rPr lang="en-US" altLang="ko-KR" sz="1200" dirty="0"/>
               <a:t>        '</a:t>
             </a:r>
             <a:r>
-              <a:rPr lang="ko-KR" altLang="en-US" sz="1200"/>
+              <a:rPr lang="ko-KR" altLang="en-US" sz="1200" dirty="0"/>
               <a:t>인원</a:t>
             </a:r>
             <a:r>
-              <a:rPr lang="en-US" altLang="ko-KR" sz="1200"/>
+              <a:rPr lang="en-US" altLang="ko-KR" sz="1200" dirty="0"/>
               <a:t>': [50, 40, 35, 60, 55]}</a:t>
             </a:r>
           </a:p>
           <a:p>
             <a:r>
-              <a:rPr lang="en-US" altLang="ko-KR" sz="1200"/>
-              <a:t>df = pd.DataFrame(data)</a:t>
-            </a:r>
-          </a:p>
-          <a:p>
-            <a:endParaRPr lang="en-US" altLang="ko-KR" sz="1200"/>
-          </a:p>
-          <a:p>
-            <a:r>
-              <a:rPr lang="en-US" altLang="ko-KR" sz="1200"/>
+              <a:rPr lang="en-US" altLang="ko-KR" sz="1200" dirty="0"/>
+              <a:t>df = </a:t>
+            </a:r>
+            <a:r>
+              <a:rPr lang="en-US" altLang="ko-KR" sz="1200" dirty="0" err="1"/>
+              <a:t>pd.DataFrame</a:t>
+            </a:r>
+            <a:r>
+              <a:rPr lang="en-US" altLang="ko-KR" sz="1200" dirty="0"/>
+              <a:t>(data)</a:t>
+            </a:r>
+          </a:p>
+          <a:p>
+            <a:endParaRPr lang="en-US" altLang="ko-KR" sz="1200" dirty="0"/>
+          </a:p>
+          <a:p>
+            <a:r>
+              <a:rPr lang="en-US" altLang="ko-KR" sz="1200" dirty="0"/>
               <a:t># '</a:t>
             </a:r>
             <a:r>
-              <a:rPr lang="ko-KR" altLang="en-US" sz="1200"/>
+              <a:rPr lang="ko-KR" altLang="en-US" sz="1200" dirty="0"/>
               <a:t>학과</a:t>
             </a:r>
             <a:r>
-              <a:rPr lang="en-US" altLang="ko-KR" sz="1200"/>
+              <a:rPr lang="en-US" altLang="ko-KR" sz="1200" dirty="0"/>
               <a:t>' </a:t>
             </a:r>
             <a:r>
-              <a:rPr lang="ko-KR" altLang="en-US" sz="1200"/>
+              <a:rPr lang="ko-KR" altLang="en-US" sz="1200" dirty="0"/>
               <a:t>열을 기준으로 그룹화한 후 </a:t>
             </a:r>
             <a:r>
-              <a:rPr lang="en-US" altLang="ko-KR" sz="1200"/>
+              <a:rPr lang="en-US" altLang="ko-KR" sz="1200" dirty="0"/>
               <a:t>'</a:t>
             </a:r>
             <a:r>
-              <a:rPr lang="ko-KR" altLang="en-US" sz="1200"/>
+              <a:rPr lang="ko-KR" altLang="en-US" sz="1200" dirty="0"/>
               <a:t>성적</a:t>
             </a:r>
             <a:r>
-              <a:rPr lang="en-US" altLang="ko-KR" sz="1200"/>
+              <a:rPr lang="en-US" altLang="ko-KR" sz="1200" dirty="0"/>
               <a:t>' </a:t>
             </a:r>
             <a:r>
-              <a:rPr lang="ko-KR" altLang="en-US" sz="1200"/>
+              <a:rPr lang="ko-KR" altLang="en-US" sz="1200" dirty="0"/>
               <a:t>열에 대해 평균과 합계 계산</a:t>
             </a:r>
           </a:p>
           <a:p>
             <a:r>
-              <a:rPr lang="en-US" altLang="ko-KR" sz="1200"/>
-              <a:t>grouped = df.groupby('</a:t>
-            </a:r>
-            <a:r>
-              <a:rPr lang="ko-KR" altLang="en-US" sz="1200"/>
+              <a:rPr lang="en-US" altLang="ko-KR" sz="1200" dirty="0"/>
+              <a:t>grouped = </a:t>
+            </a:r>
+            <a:r>
+              <a:rPr lang="en-US" altLang="ko-KR" sz="1200" dirty="0" err="1"/>
+              <a:t>df.groupby</a:t>
+            </a:r>
+            <a:r>
+              <a:rPr lang="en-US" altLang="ko-KR" sz="1200" dirty="0"/>
+              <a:t>('</a:t>
+            </a:r>
+            <a:r>
+              <a:rPr lang="ko-KR" altLang="en-US" sz="1200" dirty="0"/>
               <a:t>학과</a:t>
             </a:r>
             <a:r>
-              <a:rPr lang="en-US" altLang="ko-KR" sz="1200"/>
+              <a:rPr lang="en-US" altLang="ko-KR" sz="1200" dirty="0"/>
               <a:t>')  # '</a:t>
             </a:r>
             <a:r>
-              <a:rPr lang="ko-KR" altLang="en-US" sz="1200"/>
+              <a:rPr lang="ko-KR" altLang="en-US" sz="1200" dirty="0"/>
               <a:t>학과</a:t>
             </a:r>
             <a:r>
-              <a:rPr lang="en-US" altLang="ko-KR" sz="1200"/>
+              <a:rPr lang="en-US" altLang="ko-KR" sz="1200" dirty="0"/>
               <a:t>' </a:t>
             </a:r>
             <a:r>
-              <a:rPr lang="ko-KR" altLang="en-US" sz="1200"/>
+              <a:rPr lang="ko-KR" altLang="en-US" sz="1200" dirty="0"/>
               <a:t>열을 기준으로 그룹화</a:t>
             </a:r>
           </a:p>
           <a:p>
-            <a:endParaRPr lang="ko-KR" altLang="en-US" sz="1200"/>
-          </a:p>
-          <a:p>
-            <a:r>
-              <a:rPr lang="en-US" altLang="ko-KR" sz="1200"/>
-              <a:t>summary_stats = grouped['</a:t>
-            </a:r>
-            <a:r>
-              <a:rPr lang="ko-KR" altLang="en-US" sz="1200"/>
+            <a:endParaRPr lang="ko-KR" altLang="en-US" sz="1200" dirty="0"/>
+          </a:p>
+          <a:p>
+            <a:r>
+              <a:rPr lang="en-US" altLang="ko-KR" sz="1200" dirty="0" err="1"/>
+              <a:t>summary_stats</a:t>
+            </a:r>
+            <a:r>
+              <a:rPr lang="en-US" altLang="ko-KR" sz="1200" dirty="0"/>
+              <a:t> = grouped['</a:t>
+            </a:r>
+            <a:r>
+              <a:rPr lang="ko-KR" altLang="en-US" sz="1200" dirty="0"/>
               <a:t>성적</a:t>
             </a:r>
             <a:r>
-              <a:rPr lang="en-US" altLang="ko-KR" sz="1200"/>
-              <a:t>'].agg(['mean', 'sum'])  # </a:t>
-            </a:r>
-            <a:r>
-              <a:rPr lang="ko-KR" altLang="en-US" sz="1200"/>
+              <a:rPr lang="en-US" altLang="ko-KR" sz="1200" dirty="0"/>
+              <a:t>'].</a:t>
+            </a:r>
+            <a:r>
+              <a:rPr lang="en-US" altLang="ko-KR" sz="1200" dirty="0" err="1"/>
+              <a:t>agg</a:t>
+            </a:r>
+            <a:r>
+              <a:rPr lang="en-US" altLang="ko-KR" sz="1200" dirty="0"/>
+              <a:t>(['mean', 'sum'])  # </a:t>
+            </a:r>
+            <a:r>
+              <a:rPr lang="ko-KR" altLang="en-US" sz="1200" dirty="0"/>
               <a:t>그룹별 </a:t>
             </a:r>
             <a:r>
-              <a:rPr lang="en-US" altLang="ko-KR" sz="1200"/>
+              <a:rPr lang="en-US" altLang="ko-KR" sz="1200" dirty="0"/>
               <a:t>'</a:t>
             </a:r>
             <a:r>
-              <a:rPr lang="ko-KR" altLang="en-US" sz="1200"/>
+              <a:rPr lang="ko-KR" altLang="en-US" sz="1200" dirty="0"/>
               <a:t>성적</a:t>
             </a:r>
             <a:r>
-              <a:rPr lang="en-US" altLang="ko-KR" sz="1200"/>
+              <a:rPr lang="en-US" altLang="ko-KR" sz="1200" dirty="0"/>
               <a:t>' </a:t>
             </a:r>
             <a:r>
-              <a:rPr lang="ko-KR" altLang="en-US" sz="1200"/>
+              <a:rPr lang="ko-KR" altLang="en-US" sz="1200" dirty="0"/>
               <a:t>열의 평균과 합계 계산</a:t>
             </a:r>
           </a:p>
           <a:p>
             <a:r>
-              <a:rPr lang="en-US" altLang="ko-KR" sz="1200"/>
-              <a:t>print(summary_stats)</a:t>
+              <a:rPr lang="en-US" altLang="ko-KR" sz="1200" dirty="0"/>
+              <a:t>print(</a:t>
+            </a:r>
+            <a:r>
+              <a:rPr lang="en-US" altLang="ko-KR" sz="1200" dirty="0" err="1"/>
+              <a:t>summary_stats</a:t>
+            </a:r>
+            <a:r>
+              <a:rPr lang="en-US" altLang="ko-KR" sz="1200" dirty="0"/>
+              <a:t>)</a:t>
             </a:r>
             <a:endParaRPr lang="ko-KR" altLang="en-US" sz="1200" dirty="0"/>
           </a:p>
@@ -52765,8 +52892,8 @@
         </p:nvSpPr>
         <p:spPr>
           <a:xfrm>
-            <a:off x="2123728" y="1916832"/>
-            <a:ext cx="4572000" cy="923330"/>
+            <a:off x="2267744" y="1556792"/>
+            <a:ext cx="6048672" cy="1754326"/>
           </a:xfrm>
           <a:prstGeom prst="rect">
             <a:avLst/>
@@ -52832,6 +52959,58 @@
               <a:rPr lang="en-US" altLang="ko-KR" dirty="0"/>
               <a:t>()</a:t>
             </a:r>
+          </a:p>
+          <a:p>
+            <a:r>
+              <a:rPr lang="en-US" altLang="ko-KR" dirty="0"/>
+              <a:t>#</a:t>
+            </a:r>
+            <a:r>
+              <a:rPr lang="ko-KR" altLang="en-US" dirty="0" err="1"/>
+              <a:t>df.groupby</a:t>
+            </a:r>
+            <a:r>
+              <a:rPr lang="ko-KR" altLang="en-US" dirty="0"/>
+              <a:t>('열 </a:t>
+            </a:r>
+            <a:r>
+              <a:rPr lang="ko-KR" altLang="en-US"/>
+              <a:t>이름')</a:t>
+            </a:r>
+            <a:r>
+              <a:rPr lang="en-US" altLang="ko-KR"/>
+              <a:t>['</a:t>
+            </a:r>
+            <a:r>
+              <a:rPr lang="ko-KR" altLang="en-US" dirty="0" err="1"/>
+              <a:t>열이름</a:t>
+            </a:r>
+            <a:r>
+              <a:rPr lang="en-US" altLang="ko-KR" dirty="0"/>
+              <a:t>'].</a:t>
+            </a:r>
+            <a:r>
+              <a:rPr lang="ko-KR" altLang="en-US" dirty="0"/>
+              <a:t>집계함수</a:t>
+            </a:r>
+            <a:r>
+              <a:rPr lang="en-US" altLang="ko-KR" dirty="0"/>
+              <a:t>() </a:t>
+            </a:r>
+            <a:r>
+              <a:rPr lang="ko-KR" altLang="en-US" dirty="0" err="1"/>
+              <a:t>이거랑</a:t>
+            </a:r>
+            <a:r>
+              <a:rPr lang="ko-KR" altLang="en-US" dirty="0"/>
+              <a:t> 같지</a:t>
+            </a:r>
+            <a:endParaRPr lang="en-US" altLang="ko-KR" dirty="0"/>
+          </a:p>
+          <a:p>
+            <a:endParaRPr lang="ko-KR" altLang="en-US" dirty="0"/>
+          </a:p>
+          <a:p>
             <a:endParaRPr lang="ko-KR" altLang="en-US" dirty="0"/>
           </a:p>
         </p:txBody>
